--- a/1st_review_slide/1_data_handling_201009.pptx
+++ b/1st_review_slide/1_data_handling_201009.pptx
@@ -137,6 +137,32 @@
 </p:presentation>
 </file>
 
+<file path=ppt/commentAuthors.xml><?xml version="1.0" encoding="utf-8"?>
+<p:cmAuthorLst xmlns:a="http://schemas.openxmlformats.org/drawingml/2006/main" xmlns:r="http://schemas.openxmlformats.org/officeDocument/2006/relationships" xmlns:p="http://schemas.openxmlformats.org/presentationml/2006/main">
+  <p:cmAuthor id="1" name="KASHIHARA YUSHI / 柏原 祐志" initials="KY/柏祐" lastIdx="2" clrIdx="0">
+    <p:extLst>
+      <p:ext uri="{19B8F6BF-5375-455C-9EA6-DF929625EA0E}">
+        <p15:presenceInfo xmlns:p15="http://schemas.microsoft.com/office/powerpoint/2012/main" userId="S-1-5-21-2304227532-392271255-3195294537-203918" providerId="AD"/>
+      </p:ext>
+    </p:extLst>
+  </p:cmAuthor>
+</p:cmAuthorLst>
+</file>
+
+<file path=ppt/comments/comment1.xml><?xml version="1.0" encoding="utf-8"?>
+<p:cmLst xmlns:a="http://schemas.openxmlformats.org/drawingml/2006/main" xmlns:r="http://schemas.openxmlformats.org/officeDocument/2006/relationships" xmlns:p="http://schemas.openxmlformats.org/presentationml/2006/main">
+  <p:cm authorId="1" dt="2020-10-22T16:36:00.770" idx="1">
+    <p:pos x="4136" y="2226"/>
+    <p:text>細かいですが、「CRCL」でしょうか。</p:text>
+    <p:extLst>
+      <p:ext uri="{C676402C-5697-4E1C-873F-D02D1690AC5C}">
+        <p15:threadingInfo xmlns:p15="http://schemas.microsoft.com/office/powerpoint/2012/main" timeZoneBias="-540"/>
+      </p:ext>
+    </p:extLst>
+  </p:cm>
+</p:cmLst>
+</file>
+
 <file path=ppt/notesMasters/notesMaster1.xml><?xml version="1.0" encoding="utf-8"?>
 <p:notesMaster xmlns:a="http://schemas.openxmlformats.org/drawingml/2006/main" xmlns:r="http://schemas.openxmlformats.org/officeDocument/2006/relationships" xmlns:p="http://schemas.openxmlformats.org/presentationml/2006/main">
   <p:cSld>
@@ -219,7 +245,7 @@
           <a:p>
             <a:fld id="{2A71EC23-F9ED-424C-B5FB-B7B5F6D78B70}" type="datetimeFigureOut">
               <a:rPr kumimoji="1" lang="ja-JP" altLang="en-US" smtClean="0"/>
-              <a:t>2020/10/9</a:t>
+              <a:t>2020/10/22</a:t>
             </a:fld>
             <a:endParaRPr kumimoji="1" lang="ja-JP" altLang="en-US"/>
           </a:p>
@@ -738,7 +764,7 @@
           <a:p>
             <a:fld id="{0F81A95D-05BA-458D-BB44-152E4BC8CA84}" type="datetime1">
               <a:rPr kumimoji="1" lang="ja-JP" altLang="en-US" smtClean="0"/>
-              <a:t>2020/10/9</a:t>
+              <a:t>2020/10/22</a:t>
             </a:fld>
             <a:endParaRPr kumimoji="1" lang="ja-JP" altLang="en-US"/>
           </a:p>
@@ -960,7 +986,7 @@
           <a:p>
             <a:fld id="{9906A6E4-4266-427F-9354-B8DA436806C3}" type="datetime1">
               <a:rPr kumimoji="1" lang="ja-JP" altLang="en-US" smtClean="0"/>
-              <a:t>2020/10/9</a:t>
+              <a:t>2020/10/22</a:t>
             </a:fld>
             <a:endParaRPr kumimoji="1" lang="ja-JP" altLang="en-US"/>
           </a:p>
@@ -1176,7 +1202,7 @@
           <a:p>
             <a:fld id="{362664A4-23FB-43CF-818D-F7393D757BD2}" type="datetime1">
               <a:rPr kumimoji="1" lang="ja-JP" altLang="en-US" smtClean="0"/>
-              <a:t>2020/10/9</a:t>
+              <a:t>2020/10/22</a:t>
             </a:fld>
             <a:endParaRPr kumimoji="1" lang="ja-JP" altLang="en-US"/>
           </a:p>
@@ -1382,7 +1408,7 @@
           <a:p>
             <a:fld id="{BFE15652-DDD4-4E36-9CB3-8E9EF446BEDB}" type="datetime1">
               <a:rPr kumimoji="1" lang="ja-JP" altLang="en-US" smtClean="0"/>
-              <a:t>2020/10/9</a:t>
+              <a:t>2020/10/22</a:t>
             </a:fld>
             <a:endParaRPr kumimoji="1" lang="ja-JP" altLang="en-US"/>
           </a:p>
@@ -1653,7 +1679,7 @@
           <a:p>
             <a:fld id="{30BAF585-2E3D-431A-AD29-AD87965751CC}" type="datetime1">
               <a:rPr kumimoji="1" lang="ja-JP" altLang="en-US" smtClean="0"/>
-              <a:t>2020/10/9</a:t>
+              <a:t>2020/10/22</a:t>
             </a:fld>
             <a:endParaRPr kumimoji="1" lang="ja-JP" altLang="en-US"/>
           </a:p>
@@ -1969,7 +1995,7 @@
           <a:p>
             <a:fld id="{0A1D67E2-B520-4BB6-8434-DE7E995735B8}" type="datetime1">
               <a:rPr kumimoji="1" lang="ja-JP" altLang="en-US" smtClean="0"/>
-              <a:t>2020/10/9</a:t>
+              <a:t>2020/10/22</a:t>
             </a:fld>
             <a:endParaRPr kumimoji="1" lang="ja-JP" altLang="en-US"/>
           </a:p>
@@ -2420,7 +2446,7 @@
           <a:p>
             <a:fld id="{500F9857-EF08-440C-94CB-83D9EE0D5A5A}" type="datetime1">
               <a:rPr kumimoji="1" lang="ja-JP" altLang="en-US" smtClean="0"/>
-              <a:t>2020/10/9</a:t>
+              <a:t>2020/10/22</a:t>
             </a:fld>
             <a:endParaRPr kumimoji="1" lang="ja-JP" altLang="en-US"/>
           </a:p>
@@ -2558,7 +2584,7 @@
           <a:p>
             <a:fld id="{B6BF44F8-E47A-4CCA-94C1-5A88DC7B414A}" type="datetime1">
               <a:rPr kumimoji="1" lang="ja-JP" altLang="en-US" smtClean="0"/>
-              <a:t>2020/10/9</a:t>
+              <a:t>2020/10/22</a:t>
             </a:fld>
             <a:endParaRPr kumimoji="1" lang="ja-JP" altLang="en-US"/>
           </a:p>
@@ -2673,7 +2699,7 @@
           <a:p>
             <a:fld id="{DE263015-59FD-444D-A49B-45D0DD94C4F1}" type="datetime1">
               <a:rPr kumimoji="1" lang="ja-JP" altLang="en-US" smtClean="0"/>
-              <a:t>2020/10/9</a:t>
+              <a:t>2020/10/22</a:t>
             </a:fld>
             <a:endParaRPr kumimoji="1" lang="ja-JP" altLang="en-US"/>
           </a:p>
@@ -3002,7 +3028,7 @@
           <a:p>
             <a:fld id="{7A6651C1-F643-424E-9D81-62CF9A82FABB}" type="datetime1">
               <a:rPr kumimoji="1" lang="ja-JP" altLang="en-US" smtClean="0"/>
-              <a:t>2020/10/9</a:t>
+              <a:t>2020/10/22</a:t>
             </a:fld>
             <a:endParaRPr kumimoji="1" lang="ja-JP" altLang="en-US"/>
           </a:p>
@@ -3263,7 +3289,7 @@
           <a:p>
             <a:fld id="{E79AACC8-2A3E-4AB1-936D-2A445495DFBA}" type="datetime1">
               <a:rPr kumimoji="1" lang="ja-JP" altLang="en-US" smtClean="0"/>
-              <a:t>2020/10/9</a:t>
+              <a:t>2020/10/22</a:t>
             </a:fld>
             <a:endParaRPr kumimoji="1" lang="ja-JP" altLang="en-US"/>
           </a:p>
@@ -3512,7 +3538,7 @@
           <a:p>
             <a:fld id="{79B7E619-0862-4EB5-B675-91B651E48568}" type="datetime1">
               <a:rPr kumimoji="1" lang="ja-JP" altLang="en-US" smtClean="0"/>
-              <a:t>2020/10/9</a:t>
+              <a:t>2020/10/22</a:t>
             </a:fld>
             <a:endParaRPr kumimoji="1" lang="ja-JP" altLang="en-US"/>
           </a:p>
@@ -17714,7 +17740,6 @@
               <a:rPr lang="en-US" altLang="ja-JP" dirty="0" smtClean="0"/>
               <a:t>&lt;“ggplot2”&gt;</a:t>
             </a:r>
-            <a:endParaRPr lang="en-US" altLang="ja-JP" dirty="0" smtClean="0"/>
           </a:p>
           <a:p>
             <a:pPr lvl="1"/>
@@ -17773,11 +17798,7 @@
           <a:p>
             <a:r>
               <a:rPr lang="ja-JP" altLang="en-US" dirty="0" smtClean="0"/>
-              <a:t>便利</a:t>
-            </a:r>
-            <a:r>
-              <a:rPr lang="ja-JP" altLang="en-US" dirty="0" smtClean="0"/>
-              <a:t>な</a:t>
+              <a:t>便利な</a:t>
             </a:r>
             <a:r>
               <a:rPr lang="ja-JP" altLang="en-US" dirty="0"/>
@@ -18728,18 +18749,7 @@
                   </a:schemeClr>
                 </a:solidFill>
               </a:rPr>
-              <a:t>便利な機能</a:t>
-            </a:r>
-            <a:r>
-              <a:rPr kumimoji="1" lang="ja-JP" altLang="en-US" b="1" dirty="0" smtClean="0">
-                <a:solidFill>
-                  <a:schemeClr val="tx1">
-                    <a:lumMod val="50000"/>
-                    <a:lumOff val="50000"/>
-                  </a:schemeClr>
-                </a:solidFill>
-              </a:rPr>
-              <a:t>：</a:t>
+              <a:t>便利な機能：</a:t>
             </a:r>
             <a:r>
               <a:rPr kumimoji="1" lang="en-US" altLang="ja-JP" b="1" dirty="0" smtClean="0">
@@ -19976,11 +19986,7 @@
             </a:r>
             <a:r>
               <a:rPr lang="ja-JP" altLang="en-US" dirty="0" smtClean="0"/>
-              <a:t>出力）</a:t>
-            </a:r>
-            <a:r>
-              <a:rPr lang="ja-JP" altLang="en-US" dirty="0" smtClean="0"/>
-              <a:t>：</a:t>
+              <a:t>出力）：</a:t>
             </a:r>
             <a:endParaRPr lang="en-US" altLang="ja-JP" dirty="0" smtClean="0"/>
           </a:p>
@@ -20215,11 +20221,7 @@
             </a:pPr>
             <a:r>
               <a:rPr lang="ja-JP" altLang="en-US" dirty="0" smtClean="0"/>
-              <a:t>関数例</a:t>
-            </a:r>
-            <a:r>
-              <a:rPr lang="ja-JP" altLang="en-US" dirty="0" smtClean="0"/>
-              <a:t>（</a:t>
+              <a:t>関数例（</a:t>
             </a:r>
             <a:r>
               <a:rPr lang="en-US" altLang="ja-JP" dirty="0" err="1" smtClean="0"/>
@@ -20620,12 +20622,12 @@
           <a:graphicData uri="http://schemas.openxmlformats.org/presentationml/2006/ole">
             <mc:AlternateContent xmlns:mc="http://schemas.openxmlformats.org/markup-compatibility/2006">
               <mc:Choice xmlns:v="urn:schemas-microsoft-com:vml" Requires="v">
-                <p:oleObj spid="_x0000_s1031" name="文書" showAsIcon="1" r:id="rId3" imgW="914400" imgH="771480" progId="Word.Document.12">
+                <p:oleObj spid="_x0000_s1037" name="文書" showAsIcon="1" r:id="rId4" imgW="914400" imgH="771480" progId="Word.Document.12">
                   <p:embed/>
                 </p:oleObj>
               </mc:Choice>
               <mc:Fallback>
-                <p:oleObj name="文書" showAsIcon="1" r:id="rId3" imgW="914400" imgH="771480" progId="Word.Document.12">
+                <p:oleObj name="文書" showAsIcon="1" r:id="rId4" imgW="914400" imgH="771480" progId="Word.Document.12">
                   <p:embed/>
                   <p:pic>
                     <p:nvPicPr>
@@ -20634,7 +20636,7 @@
                       <p:nvPr/>
                     </p:nvPicPr>
                     <p:blipFill>
-                      <a:blip r:embed="rId4"/>
+                      <a:blip r:embed="rId5"/>
                       <a:stretch>
                         <a:fillRect/>
                       </a:stretch>
@@ -20677,12 +20679,12 @@
           <a:graphicData uri="http://schemas.openxmlformats.org/presentationml/2006/ole">
             <mc:AlternateContent xmlns:mc="http://schemas.openxmlformats.org/markup-compatibility/2006">
               <mc:Choice xmlns:v="urn:schemas-microsoft-com:vml" Requires="v">
-                <p:oleObj spid="_x0000_s1032" name="プレゼンテーション" showAsIcon="1" r:id="rId5" imgW="914400" imgH="771480" progId="PowerPoint.Show.12">
+                <p:oleObj spid="_x0000_s1038" name="プレゼンテーション" showAsIcon="1" r:id="rId7" imgW="914400" imgH="771480" progId="PowerPoint.Show.12">
                   <p:embed/>
                 </p:oleObj>
               </mc:Choice>
               <mc:Fallback>
-                <p:oleObj name="プレゼンテーション" showAsIcon="1" r:id="rId5" imgW="914400" imgH="771480" progId="PowerPoint.Show.12">
+                <p:oleObj name="プレゼンテーション" showAsIcon="1" r:id="rId7" imgW="914400" imgH="771480" progId="PowerPoint.Show.12">
                   <p:embed/>
                   <p:pic>
                     <p:nvPicPr>
@@ -20691,7 +20693,7 @@
                       <p:nvPr/>
                     </p:nvPicPr>
                     <p:blipFill>
-                      <a:blip r:embed="rId6"/>
+                      <a:blip r:embed="rId8"/>
                       <a:stretch>
                         <a:fillRect/>
                       </a:stretch>

--- a/1st_review_slide/1_data_handling_201009.pptx
+++ b/1st_review_slide/1_data_handling_201009.pptx
@@ -146,10 +146,46 @@
       </p:ext>
     </p:extLst>
   </p:cmAuthor>
+  <p:cmAuthor id="2" name="INOUE HIROYUKI / 井上 裕之" initials="IH/井裕" lastIdx="3" clrIdx="1">
+    <p:extLst>
+      <p:ext uri="{19B8F6BF-5375-455C-9EA6-DF929625EA0E}">
+        <p15:presenceInfo xmlns:p15="http://schemas.microsoft.com/office/powerpoint/2012/main" userId="S-1-5-21-2304227532-392271255-3195294537-191705" providerId="AD"/>
+      </p:ext>
+    </p:extLst>
+  </p:cmAuthor>
 </p:cmAuthorLst>
 </file>
 
 <file path=ppt/comments/comment1.xml><?xml version="1.0" encoding="utf-8"?>
+<p:cmLst xmlns:a="http://schemas.openxmlformats.org/drawingml/2006/main" xmlns:r="http://schemas.openxmlformats.org/officeDocument/2006/relationships" xmlns:p="http://schemas.openxmlformats.org/presentationml/2006/main">
+  <p:cm authorId="2" dt="2020-10-22T17:11:21.856" idx="2">
+    <p:pos x="2533" y="452"/>
+    <p:text>1枚パイプ（%&gt;%）についての説明など入れるのはいかがでしょう。
+ショートカットなども含めると後の演習にも役立つかと思います。</p:text>
+    <p:extLst>
+      <p:ext uri="{C676402C-5697-4E1C-873F-D02D1690AC5C}">
+        <p15:threadingInfo xmlns:p15="http://schemas.microsoft.com/office/powerpoint/2012/main" timeZoneBias="-540"/>
+      </p:ext>
+    </p:extLst>
+  </p:cm>
+</p:cmLst>
+</file>
+
+<file path=ppt/comments/comment2.xml><?xml version="1.0" encoding="utf-8"?>
+<p:cmLst xmlns:a="http://schemas.openxmlformats.org/drawingml/2006/main" xmlns:r="http://schemas.openxmlformats.org/officeDocument/2006/relationships" xmlns:p="http://schemas.openxmlformats.org/presentationml/2006/main">
+  <p:cm authorId="2" dt="2020-10-22T17:11:45.445" idx="3">
+    <p:pos x="2225" y="1630"/>
+    <p:text>以上、でしょうか</p:text>
+    <p:extLst>
+      <p:ext uri="{C676402C-5697-4E1C-873F-D02D1690AC5C}">
+        <p15:threadingInfo xmlns:p15="http://schemas.microsoft.com/office/powerpoint/2012/main" timeZoneBias="-540"/>
+      </p:ext>
+    </p:extLst>
+  </p:cm>
+</p:cmLst>
+</file>
+
+<file path=ppt/comments/comment3.xml><?xml version="1.0" encoding="utf-8"?>
 <p:cmLst xmlns:a="http://schemas.openxmlformats.org/drawingml/2006/main" xmlns:r="http://schemas.openxmlformats.org/officeDocument/2006/relationships" xmlns:p="http://schemas.openxmlformats.org/presentationml/2006/main">
   <p:cm authorId="1" dt="2020-10-22T16:36:00.770" idx="1">
     <p:pos x="4136" y="2226"/>
@@ -20622,7 +20658,7 @@
           <a:graphicData uri="http://schemas.openxmlformats.org/presentationml/2006/ole">
             <mc:AlternateContent xmlns:mc="http://schemas.openxmlformats.org/markup-compatibility/2006">
               <mc:Choice xmlns:v="urn:schemas-microsoft-com:vml" Requires="v">
-                <p:oleObj spid="_x0000_s1037" name="文書" showAsIcon="1" r:id="rId4" imgW="914400" imgH="771480" progId="Word.Document.12">
+                <p:oleObj spid="_x0000_s1039" name="文書" showAsIcon="1" r:id="rId4" imgW="914400" imgH="771480" progId="Word.Document.12">
                   <p:embed/>
                 </p:oleObj>
               </mc:Choice>
@@ -20679,7 +20715,7 @@
           <a:graphicData uri="http://schemas.openxmlformats.org/presentationml/2006/ole">
             <mc:AlternateContent xmlns:mc="http://schemas.openxmlformats.org/markup-compatibility/2006">
               <mc:Choice xmlns:v="urn:schemas-microsoft-com:vml" Requires="v">
-                <p:oleObj spid="_x0000_s1038" name="プレゼンテーション" showAsIcon="1" r:id="rId7" imgW="914400" imgH="771480" progId="PowerPoint.Show.12">
+                <p:oleObj spid="_x0000_s1040" name="プレゼンテーション" showAsIcon="1" r:id="rId7" imgW="914400" imgH="771480" progId="PowerPoint.Show.12">
                   <p:embed/>
                 </p:oleObj>
               </mc:Choice>
@@ -21059,7 +21095,7 @@
           <p:cNvPr id="7" name="図 6">
             <a:extLst>
               <a:ext uri="{FF2B5EF4-FFF2-40B4-BE49-F238E27FC236}">
-                <a16:creationId xmlns="" xmlns:a16="http://schemas.microsoft.com/office/drawing/2014/main" id="{2681F239-716B-4C8E-A65A-4189FEDE47F5}"/>
+                <a16:creationId xmlns:a16="http://schemas.microsoft.com/office/drawing/2014/main" xmlns="" id="{2681F239-716B-4C8E-A65A-4189FEDE47F5}"/>
               </a:ext>
             </a:extLst>
           </p:cNvPr>

--- a/1st_review_slide/1_data_handling_201009.pptx
+++ b/1st_review_slide/1_data_handling_201009.pptx
@@ -158,21 +158,6 @@
 
 <file path=ppt/comments/comment1.xml><?xml version="1.0" encoding="utf-8"?>
 <p:cmLst xmlns:a="http://schemas.openxmlformats.org/drawingml/2006/main" xmlns:r="http://schemas.openxmlformats.org/officeDocument/2006/relationships" xmlns:p="http://schemas.openxmlformats.org/presentationml/2006/main">
-  <p:cm authorId="2" dt="2020-10-22T17:11:21.856" idx="2">
-    <p:pos x="2533" y="452"/>
-    <p:text>1枚パイプ（%&gt;%）についての説明など入れるのはいかがでしょう。
-ショートカットなども含めると後の演習にも役立つかと思います。</p:text>
-    <p:extLst>
-      <p:ext uri="{C676402C-5697-4E1C-873F-D02D1690AC5C}">
-        <p15:threadingInfo xmlns:p15="http://schemas.microsoft.com/office/powerpoint/2012/main" timeZoneBias="-540"/>
-      </p:ext>
-    </p:extLst>
-  </p:cm>
-</p:cmLst>
-</file>
-
-<file path=ppt/comments/comment2.xml><?xml version="1.0" encoding="utf-8"?>
-<p:cmLst xmlns:a="http://schemas.openxmlformats.org/drawingml/2006/main" xmlns:r="http://schemas.openxmlformats.org/officeDocument/2006/relationships" xmlns:p="http://schemas.openxmlformats.org/presentationml/2006/main">
   <p:cm authorId="2" dt="2020-10-22T17:11:45.445" idx="3">
     <p:pos x="2225" y="1630"/>
     <p:text>以上、でしょうか</p:text>
@@ -185,7 +170,7 @@
 </p:cmLst>
 </file>
 
-<file path=ppt/comments/comment3.xml><?xml version="1.0" encoding="utf-8"?>
+<file path=ppt/comments/comment2.xml><?xml version="1.0" encoding="utf-8"?>
 <p:cmLst xmlns:a="http://schemas.openxmlformats.org/drawingml/2006/main" xmlns:r="http://schemas.openxmlformats.org/officeDocument/2006/relationships" xmlns:p="http://schemas.openxmlformats.org/presentationml/2006/main">
   <p:cm authorId="1" dt="2020-10-22T16:36:00.770" idx="1">
     <p:pos x="4136" y="2226"/>
@@ -20658,12 +20643,12 @@
           <a:graphicData uri="http://schemas.openxmlformats.org/presentationml/2006/ole">
             <mc:AlternateContent xmlns:mc="http://schemas.openxmlformats.org/markup-compatibility/2006">
               <mc:Choice xmlns:v="urn:schemas-microsoft-com:vml" Requires="v">
-                <p:oleObj spid="_x0000_s1039" name="文書" showAsIcon="1" r:id="rId4" imgW="914400" imgH="771480" progId="Word.Document.12">
+                <p:oleObj spid="_x0000_s1041" name="文書" showAsIcon="1" r:id="rId3" imgW="914400" imgH="771480" progId="Word.Document.12">
                   <p:embed/>
                 </p:oleObj>
               </mc:Choice>
               <mc:Fallback>
-                <p:oleObj name="文書" showAsIcon="1" r:id="rId4" imgW="914400" imgH="771480" progId="Word.Document.12">
+                <p:oleObj name="文書" showAsIcon="1" r:id="rId3" imgW="914400" imgH="771480" progId="Word.Document.12">
                   <p:embed/>
                   <p:pic>
                     <p:nvPicPr>
@@ -20672,7 +20657,7 @@
                       <p:nvPr/>
                     </p:nvPicPr>
                     <p:blipFill>
-                      <a:blip r:embed="rId5"/>
+                      <a:blip r:embed="rId4"/>
                       <a:stretch>
                         <a:fillRect/>
                       </a:stretch>
@@ -20715,12 +20700,12 @@
           <a:graphicData uri="http://schemas.openxmlformats.org/presentationml/2006/ole">
             <mc:AlternateContent xmlns:mc="http://schemas.openxmlformats.org/markup-compatibility/2006">
               <mc:Choice xmlns:v="urn:schemas-microsoft-com:vml" Requires="v">
-                <p:oleObj spid="_x0000_s1040" name="プレゼンテーション" showAsIcon="1" r:id="rId7" imgW="914400" imgH="771480" progId="PowerPoint.Show.12">
+                <p:oleObj spid="_x0000_s1042" name="プレゼンテーション" showAsIcon="1" r:id="rId5" imgW="914400" imgH="771480" progId="PowerPoint.Show.12">
                   <p:embed/>
                 </p:oleObj>
               </mc:Choice>
               <mc:Fallback>
-                <p:oleObj name="プレゼンテーション" showAsIcon="1" r:id="rId7" imgW="914400" imgH="771480" progId="PowerPoint.Show.12">
+                <p:oleObj name="プレゼンテーション" showAsIcon="1" r:id="rId5" imgW="914400" imgH="771480" progId="PowerPoint.Show.12">
                   <p:embed/>
                   <p:pic>
                     <p:nvPicPr>
@@ -20729,7 +20714,7 @@
                       <p:nvPr/>
                     </p:nvPicPr>
                     <p:blipFill>
-                      <a:blip r:embed="rId8"/>
+                      <a:blip r:embed="rId6"/>
                       <a:stretch>
                         <a:fillRect/>
                       </a:stretch>

--- a/1st_review_slide/1_data_handling_201009.pptx
+++ b/1st_review_slide/1_data_handling_201009.pptx
@@ -153,10 +153,51 @@
       </p:ext>
     </p:extLst>
   </p:cmAuthor>
+  <p:cmAuthor id="3" name="FUKAE MASATO / 深江 真登" initials="FM/深真" lastIdx="5" clrIdx="2">
+    <p:extLst>
+      <p:ext uri="{19B8F6BF-5375-455C-9EA6-DF929625EA0E}">
+        <p15:presenceInfo xmlns:p15="http://schemas.microsoft.com/office/powerpoint/2012/main" userId="S-1-5-21-2304227532-392271255-3195294537-169173" providerId="AD"/>
+      </p:ext>
+    </p:extLst>
+  </p:cmAuthor>
 </p:cmAuthorLst>
 </file>
 
 <file path=ppt/comments/comment1.xml><?xml version="1.0" encoding="utf-8"?>
+<p:cmLst xmlns:a="http://schemas.openxmlformats.org/drawingml/2006/main" xmlns:r="http://schemas.openxmlformats.org/officeDocument/2006/relationships" xmlns:p="http://schemas.openxmlformats.org/presentationml/2006/main">
+  <p:cm authorId="3" dt="2020-10-23T09:53:34.345" idx="1">
+    <p:pos x="1014" y="2210"/>
+    <p:text>細かいですが、「使用例」の方がベターかも</p:text>
+    <p:extLst>
+      <p:ext uri="{C676402C-5697-4E1C-873F-D02D1690AC5C}">
+        <p15:threadingInfo xmlns:p15="http://schemas.microsoft.com/office/powerpoint/2012/main" timeZoneBias="-540"/>
+      </p:ext>
+    </p:extLst>
+  </p:cm>
+  <p:cm authorId="3" dt="2020-10-23T09:54:05.445" idx="2">
+    <p:pos x="2342" y="2661"/>
+    <p:text>文字列のファイル
+→文字列で指定したファイル</p:text>
+    <p:extLst>
+      <p:ext uri="{C676402C-5697-4E1C-873F-D02D1690AC5C}">
+        <p15:threadingInfo xmlns:p15="http://schemas.microsoft.com/office/powerpoint/2012/main" timeZoneBias="-540"/>
+      </p:ext>
+    </p:extLst>
+  </p:cm>
+  <p:cm authorId="3" dt="2020-10-23T09:55:14.392" idx="3">
+    <p:pos x="1327" y="3331"/>
+    <p:text>’na=“.”’：
+とかするとより親切かもです</p:text>
+    <p:extLst>
+      <p:ext uri="{C676402C-5697-4E1C-873F-D02D1690AC5C}">
+        <p15:threadingInfo xmlns:p15="http://schemas.microsoft.com/office/powerpoint/2012/main" timeZoneBias="-540"/>
+      </p:ext>
+    </p:extLst>
+  </p:cm>
+</p:cmLst>
+</file>
+
+<file path=ppt/comments/comment2.xml><?xml version="1.0" encoding="utf-8"?>
 <p:cmLst xmlns:a="http://schemas.openxmlformats.org/drawingml/2006/main" xmlns:r="http://schemas.openxmlformats.org/officeDocument/2006/relationships" xmlns:p="http://schemas.openxmlformats.org/presentationml/2006/main">
   <p:cm authorId="2" dt="2020-10-22T17:11:45.445" idx="3">
     <p:pos x="2225" y="1630"/>
@@ -170,11 +211,40 @@
 </p:cmLst>
 </file>
 
-<file path=ppt/comments/comment2.xml><?xml version="1.0" encoding="utf-8"?>
+<file path=ppt/comments/comment3.xml><?xml version="1.0" encoding="utf-8"?>
+<p:cmLst xmlns:a="http://schemas.openxmlformats.org/drawingml/2006/main" xmlns:r="http://schemas.openxmlformats.org/officeDocument/2006/relationships" xmlns:p="http://schemas.openxmlformats.org/presentationml/2006/main">
+  <p:cm authorId="3" dt="2020-10-23T10:54:47.751" idx="4">
+    <p:pos x="10" y="10"/>
+    <p:text>Figureが文字にかぶっているのは後で修正する予定ですかね？次のページもそのようになっていますが。。</p:text>
+    <p:extLst>
+      <p:ext uri="{C676402C-5697-4E1C-873F-D02D1690AC5C}">
+        <p15:threadingInfo xmlns:p15="http://schemas.microsoft.com/office/powerpoint/2012/main" timeZoneBias="-540"/>
+      </p:ext>
+    </p:extLst>
+  </p:cm>
+</p:cmLst>
+</file>
+
+<file path=ppt/comments/comment4.xml><?xml version="1.0" encoding="utf-8"?>
 <p:cmLst xmlns:a="http://schemas.openxmlformats.org/drawingml/2006/main" xmlns:r="http://schemas.openxmlformats.org/officeDocument/2006/relationships" xmlns:p="http://schemas.openxmlformats.org/presentationml/2006/main">
   <p:cm authorId="1" dt="2020-10-22T16:36:00.770" idx="1">
     <p:pos x="4136" y="2226"/>
     <p:text>細かいですが、「CRCL」でしょうか。</p:text>
+    <p:extLst>
+      <p:ext uri="{C676402C-5697-4E1C-873F-D02D1690AC5C}">
+        <p15:threadingInfo xmlns:p15="http://schemas.microsoft.com/office/powerpoint/2012/main" timeZoneBias="-540"/>
+      </p:ext>
+    </p:extLst>
+  </p:cm>
+</p:cmLst>
+</file>
+
+<file path=ppt/comments/comment5.xml><?xml version="1.0" encoding="utf-8"?>
+<p:cmLst xmlns:a="http://schemas.openxmlformats.org/drawingml/2006/main" xmlns:r="http://schemas.openxmlformats.org/officeDocument/2006/relationships" xmlns:p="http://schemas.openxmlformats.org/presentationml/2006/main">
+  <p:cm authorId="3" dt="2020-10-23T10:57:29.226" idx="5">
+    <p:pos x="10" y="10"/>
+    <p:text>なんとなく配布用ファイルはPDFかと思っていたのですが、PDF化してもwordファイルやpptファイルって開けるのですっけ？
+難しければこの資料はpptで配布ですかね。</p:text>
     <p:extLst>
       <p:ext uri="{C676402C-5697-4E1C-873F-D02D1690AC5C}">
         <p15:threadingInfo xmlns:p15="http://schemas.microsoft.com/office/powerpoint/2012/main" timeZoneBias="-540"/>
@@ -266,7 +336,7 @@
           <a:p>
             <a:fld id="{2A71EC23-F9ED-424C-B5FB-B7B5F6D78B70}" type="datetimeFigureOut">
               <a:rPr kumimoji="1" lang="ja-JP" altLang="en-US" smtClean="0"/>
-              <a:t>2020/10/22</a:t>
+              <a:t>2020/10/23</a:t>
             </a:fld>
             <a:endParaRPr kumimoji="1" lang="ja-JP" altLang="en-US"/>
           </a:p>
@@ -785,7 +855,7 @@
           <a:p>
             <a:fld id="{0F81A95D-05BA-458D-BB44-152E4BC8CA84}" type="datetime1">
               <a:rPr kumimoji="1" lang="ja-JP" altLang="en-US" smtClean="0"/>
-              <a:t>2020/10/22</a:t>
+              <a:t>2020/10/23</a:t>
             </a:fld>
             <a:endParaRPr kumimoji="1" lang="ja-JP" altLang="en-US"/>
           </a:p>
@@ -1007,7 +1077,7 @@
           <a:p>
             <a:fld id="{9906A6E4-4266-427F-9354-B8DA436806C3}" type="datetime1">
               <a:rPr kumimoji="1" lang="ja-JP" altLang="en-US" smtClean="0"/>
-              <a:t>2020/10/22</a:t>
+              <a:t>2020/10/23</a:t>
             </a:fld>
             <a:endParaRPr kumimoji="1" lang="ja-JP" altLang="en-US"/>
           </a:p>
@@ -1223,7 +1293,7 @@
           <a:p>
             <a:fld id="{362664A4-23FB-43CF-818D-F7393D757BD2}" type="datetime1">
               <a:rPr kumimoji="1" lang="ja-JP" altLang="en-US" smtClean="0"/>
-              <a:t>2020/10/22</a:t>
+              <a:t>2020/10/23</a:t>
             </a:fld>
             <a:endParaRPr kumimoji="1" lang="ja-JP" altLang="en-US"/>
           </a:p>
@@ -1429,7 +1499,7 @@
           <a:p>
             <a:fld id="{BFE15652-DDD4-4E36-9CB3-8E9EF446BEDB}" type="datetime1">
               <a:rPr kumimoji="1" lang="ja-JP" altLang="en-US" smtClean="0"/>
-              <a:t>2020/10/22</a:t>
+              <a:t>2020/10/23</a:t>
             </a:fld>
             <a:endParaRPr kumimoji="1" lang="ja-JP" altLang="en-US"/>
           </a:p>
@@ -1700,7 +1770,7 @@
           <a:p>
             <a:fld id="{30BAF585-2E3D-431A-AD29-AD87965751CC}" type="datetime1">
               <a:rPr kumimoji="1" lang="ja-JP" altLang="en-US" smtClean="0"/>
-              <a:t>2020/10/22</a:t>
+              <a:t>2020/10/23</a:t>
             </a:fld>
             <a:endParaRPr kumimoji="1" lang="ja-JP" altLang="en-US"/>
           </a:p>
@@ -2016,7 +2086,7 @@
           <a:p>
             <a:fld id="{0A1D67E2-B520-4BB6-8434-DE7E995735B8}" type="datetime1">
               <a:rPr kumimoji="1" lang="ja-JP" altLang="en-US" smtClean="0"/>
-              <a:t>2020/10/22</a:t>
+              <a:t>2020/10/23</a:t>
             </a:fld>
             <a:endParaRPr kumimoji="1" lang="ja-JP" altLang="en-US"/>
           </a:p>
@@ -2467,7 +2537,7 @@
           <a:p>
             <a:fld id="{500F9857-EF08-440C-94CB-83D9EE0D5A5A}" type="datetime1">
               <a:rPr kumimoji="1" lang="ja-JP" altLang="en-US" smtClean="0"/>
-              <a:t>2020/10/22</a:t>
+              <a:t>2020/10/23</a:t>
             </a:fld>
             <a:endParaRPr kumimoji="1" lang="ja-JP" altLang="en-US"/>
           </a:p>
@@ -2605,7 +2675,7 @@
           <a:p>
             <a:fld id="{B6BF44F8-E47A-4CCA-94C1-5A88DC7B414A}" type="datetime1">
               <a:rPr kumimoji="1" lang="ja-JP" altLang="en-US" smtClean="0"/>
-              <a:t>2020/10/22</a:t>
+              <a:t>2020/10/23</a:t>
             </a:fld>
             <a:endParaRPr kumimoji="1" lang="ja-JP" altLang="en-US"/>
           </a:p>
@@ -2720,7 +2790,7 @@
           <a:p>
             <a:fld id="{DE263015-59FD-444D-A49B-45D0DD94C4F1}" type="datetime1">
               <a:rPr kumimoji="1" lang="ja-JP" altLang="en-US" smtClean="0"/>
-              <a:t>2020/10/22</a:t>
+              <a:t>2020/10/23</a:t>
             </a:fld>
             <a:endParaRPr kumimoji="1" lang="ja-JP" altLang="en-US"/>
           </a:p>
@@ -3049,7 +3119,7 @@
           <a:p>
             <a:fld id="{7A6651C1-F643-424E-9D81-62CF9A82FABB}" type="datetime1">
               <a:rPr kumimoji="1" lang="ja-JP" altLang="en-US" smtClean="0"/>
-              <a:t>2020/10/22</a:t>
+              <a:t>2020/10/23</a:t>
             </a:fld>
             <a:endParaRPr kumimoji="1" lang="ja-JP" altLang="en-US"/>
           </a:p>
@@ -3310,7 +3380,7 @@
           <a:p>
             <a:fld id="{E79AACC8-2A3E-4AB1-936D-2A445495DFBA}" type="datetime1">
               <a:rPr kumimoji="1" lang="ja-JP" altLang="en-US" smtClean="0"/>
-              <a:t>2020/10/22</a:t>
+              <a:t>2020/10/23</a:t>
             </a:fld>
             <a:endParaRPr kumimoji="1" lang="ja-JP" altLang="en-US"/>
           </a:p>
@@ -3559,7 +3629,7 @@
           <a:p>
             <a:fld id="{79B7E619-0862-4EB5-B675-91B651E48568}" type="datetime1">
               <a:rPr kumimoji="1" lang="ja-JP" altLang="en-US" smtClean="0"/>
-              <a:t>2020/10/22</a:t>
+              <a:t>2020/10/23</a:t>
             </a:fld>
             <a:endParaRPr kumimoji="1" lang="ja-JP" altLang="en-US"/>
           </a:p>
@@ -11071,6 +11141,13 @@
   <p:clrMapOvr>
     <a:masterClrMapping/>
   </p:clrMapOvr>
+  <p:timing>
+    <p:tnLst>
+      <p:par>
+        <p:cTn id="1" dur="indefinite" restart="never" nodeType="tmRoot"/>
+      </p:par>
+    </p:tnLst>
+  </p:timing>
 </p:sld>
 </file>
 
@@ -20630,7 +20707,7 @@
           <p:nvPr>
             <p:extLst>
               <p:ext uri="{D42A27DB-BD31-4B8C-83A1-F6EECF244321}">
-                <p14:modId xmlns:p14="http://schemas.microsoft.com/office/powerpoint/2010/main" val="3066843300"/>
+                <p14:modId xmlns:p14="http://schemas.microsoft.com/office/powerpoint/2010/main" val="1666132365"/>
               </p:ext>
             </p:extLst>
           </p:nvPr>
@@ -20643,7 +20720,7 @@
           <a:graphicData uri="http://schemas.openxmlformats.org/presentationml/2006/ole">
             <mc:AlternateContent xmlns:mc="http://schemas.openxmlformats.org/markup-compatibility/2006">
               <mc:Choice xmlns:v="urn:schemas-microsoft-com:vml" Requires="v">
-                <p:oleObj spid="_x0000_s1041" name="文書" showAsIcon="1" r:id="rId3" imgW="914400" imgH="771480" progId="Word.Document.12">
+                <p:oleObj spid="_x0000_s1045" name="文書" showAsIcon="1" r:id="rId3" imgW="914400" imgH="771480" progId="Word.Document.12">
                   <p:embed/>
                 </p:oleObj>
               </mc:Choice>
@@ -20687,7 +20764,7 @@
           <p:nvPr>
             <p:extLst>
               <p:ext uri="{D42A27DB-BD31-4B8C-83A1-F6EECF244321}">
-                <p14:modId xmlns:p14="http://schemas.microsoft.com/office/powerpoint/2010/main" val="3367953407"/>
+                <p14:modId xmlns:p14="http://schemas.microsoft.com/office/powerpoint/2010/main" val="300473874"/>
               </p:ext>
             </p:extLst>
           </p:nvPr>
@@ -20700,7 +20777,7 @@
           <a:graphicData uri="http://schemas.openxmlformats.org/presentationml/2006/ole">
             <mc:AlternateContent xmlns:mc="http://schemas.openxmlformats.org/markup-compatibility/2006">
               <mc:Choice xmlns:v="urn:schemas-microsoft-com:vml" Requires="v">
-                <p:oleObj spid="_x0000_s1042" name="プレゼンテーション" showAsIcon="1" r:id="rId5" imgW="914400" imgH="771480" progId="PowerPoint.Show.12">
+                <p:oleObj spid="_x0000_s1046" name="プレゼンテーション" showAsIcon="1" r:id="rId5" imgW="914400" imgH="771480" progId="PowerPoint.Show.12">
                   <p:embed/>
                 </p:oleObj>
               </mc:Choice>
@@ -21080,7 +21157,7 @@
           <p:cNvPr id="7" name="図 6">
             <a:extLst>
               <a:ext uri="{FF2B5EF4-FFF2-40B4-BE49-F238E27FC236}">
-                <a16:creationId xmlns:a16="http://schemas.microsoft.com/office/drawing/2014/main" xmlns="" id="{2681F239-716B-4C8E-A65A-4189FEDE47F5}"/>
+                <a16:creationId xmlns="" xmlns:a16="http://schemas.microsoft.com/office/drawing/2014/main" id="{2681F239-716B-4C8E-A65A-4189FEDE47F5}"/>
               </a:ext>
             </a:extLst>
           </p:cNvPr>

--- a/1st_review_slide/1_data_handling_201009.pptx
+++ b/1st_review_slide/1_data_handling_201009.pptx
@@ -4974,7 +4974,15 @@
             </a:r>
             <a:r>
               <a:rPr kumimoji="1" lang="ja-JP" altLang="en-US" sz="2000" dirty="0" smtClean="0"/>
-              <a:t>データの左側から別のデータを結合</a:t>
+              <a:t>データ</a:t>
+            </a:r>
+            <a:r>
+              <a:rPr kumimoji="1" lang="ja-JP" altLang="en-US" sz="2000" smtClean="0"/>
+              <a:t>の左側に別</a:t>
+            </a:r>
+            <a:r>
+              <a:rPr kumimoji="1" lang="ja-JP" altLang="en-US" sz="2000" dirty="0" smtClean="0"/>
+              <a:t>のデータを結合</a:t>
             </a:r>
             <a:r>
               <a:rPr kumimoji="1" lang="en-US" altLang="ja-JP" sz="2000" dirty="0" smtClean="0"/>
@@ -20720,7 +20728,7 @@
           <a:graphicData uri="http://schemas.openxmlformats.org/presentationml/2006/ole">
             <mc:AlternateContent xmlns:mc="http://schemas.openxmlformats.org/markup-compatibility/2006">
               <mc:Choice xmlns:v="urn:schemas-microsoft-com:vml" Requires="v">
-                <p:oleObj spid="_x0000_s1045" name="文書" showAsIcon="1" r:id="rId3" imgW="914400" imgH="771480" progId="Word.Document.12">
+                <p:oleObj spid="_x0000_s1051" name="文書" showAsIcon="1" r:id="rId3" imgW="914400" imgH="771480" progId="Word.Document.12">
                   <p:embed/>
                 </p:oleObj>
               </mc:Choice>
@@ -20777,7 +20785,7 @@
           <a:graphicData uri="http://schemas.openxmlformats.org/presentationml/2006/ole">
             <mc:AlternateContent xmlns:mc="http://schemas.openxmlformats.org/markup-compatibility/2006">
               <mc:Choice xmlns:v="urn:schemas-microsoft-com:vml" Requires="v">
-                <p:oleObj spid="_x0000_s1046" name="プレゼンテーション" showAsIcon="1" r:id="rId5" imgW="914400" imgH="771480" progId="PowerPoint.Show.12">
+                <p:oleObj spid="_x0000_s1052" name="プレゼンテーション" showAsIcon="1" r:id="rId5" imgW="914400" imgH="771480" progId="PowerPoint.Show.12">
                   <p:embed/>
                 </p:oleObj>
               </mc:Choice>
@@ -21081,12 +21089,9 @@
             <a:pPr lvl="1"/>
             <a:r>
               <a:rPr kumimoji="1" lang="ja-JP" altLang="en-US" dirty="0" smtClean="0"/>
-              <a:t>探索的</a:t>
-            </a:r>
-            <a:r>
-              <a:rPr kumimoji="1" lang="ja-JP" altLang="en-US" dirty="0"/>
-              <a:t>なグラフ作成</a:t>
-            </a:r>
+              <a:t>グラフ作成（散布図，ヒストグラム，箱ひげ図など）</a:t>
+            </a:r>
+            <a:endParaRPr kumimoji="1" lang="ja-JP" altLang="en-US" dirty="0"/>
           </a:p>
         </p:txBody>
       </p:sp>
@@ -32587,7 +32592,7 @@
             </a:r>
             <a:r>
               <a:rPr kumimoji="1" lang="ja-JP" altLang="en-US" sz="1050" dirty="0" smtClean="0"/>
-              <a:t>に含まれない</a:t>
+              <a:t>に含まれる</a:t>
             </a:r>
             <a:endParaRPr kumimoji="1" lang="en-US" altLang="ja-JP" sz="1050" dirty="0" smtClean="0"/>
           </a:p>

--- a/1st_review_slide/1_data_handling_201009.pptx
+++ b/1st_review_slide/1_data_handling_201009.pptx
@@ -336,7 +336,7 @@
           <a:p>
             <a:fld id="{2A71EC23-F9ED-424C-B5FB-B7B5F6D78B70}" type="datetimeFigureOut">
               <a:rPr kumimoji="1" lang="ja-JP" altLang="en-US" smtClean="0"/>
-              <a:t>2020/10/23</a:t>
+              <a:t>2020/11/2</a:t>
             </a:fld>
             <a:endParaRPr kumimoji="1" lang="ja-JP" altLang="en-US"/>
           </a:p>
@@ -855,7 +855,7 @@
           <a:p>
             <a:fld id="{0F81A95D-05BA-458D-BB44-152E4BC8CA84}" type="datetime1">
               <a:rPr kumimoji="1" lang="ja-JP" altLang="en-US" smtClean="0"/>
-              <a:t>2020/10/23</a:t>
+              <a:t>2020/11/2</a:t>
             </a:fld>
             <a:endParaRPr kumimoji="1" lang="ja-JP" altLang="en-US"/>
           </a:p>
@@ -1077,7 +1077,7 @@
           <a:p>
             <a:fld id="{9906A6E4-4266-427F-9354-B8DA436806C3}" type="datetime1">
               <a:rPr kumimoji="1" lang="ja-JP" altLang="en-US" smtClean="0"/>
-              <a:t>2020/10/23</a:t>
+              <a:t>2020/11/2</a:t>
             </a:fld>
             <a:endParaRPr kumimoji="1" lang="ja-JP" altLang="en-US"/>
           </a:p>
@@ -1293,7 +1293,7 @@
           <a:p>
             <a:fld id="{362664A4-23FB-43CF-818D-F7393D757BD2}" type="datetime1">
               <a:rPr kumimoji="1" lang="ja-JP" altLang="en-US" smtClean="0"/>
-              <a:t>2020/10/23</a:t>
+              <a:t>2020/11/2</a:t>
             </a:fld>
             <a:endParaRPr kumimoji="1" lang="ja-JP" altLang="en-US"/>
           </a:p>
@@ -1499,7 +1499,7 @@
           <a:p>
             <a:fld id="{BFE15652-DDD4-4E36-9CB3-8E9EF446BEDB}" type="datetime1">
               <a:rPr kumimoji="1" lang="ja-JP" altLang="en-US" smtClean="0"/>
-              <a:t>2020/10/23</a:t>
+              <a:t>2020/11/2</a:t>
             </a:fld>
             <a:endParaRPr kumimoji="1" lang="ja-JP" altLang="en-US"/>
           </a:p>
@@ -1770,7 +1770,7 @@
           <a:p>
             <a:fld id="{30BAF585-2E3D-431A-AD29-AD87965751CC}" type="datetime1">
               <a:rPr kumimoji="1" lang="ja-JP" altLang="en-US" smtClean="0"/>
-              <a:t>2020/10/23</a:t>
+              <a:t>2020/11/2</a:t>
             </a:fld>
             <a:endParaRPr kumimoji="1" lang="ja-JP" altLang="en-US"/>
           </a:p>
@@ -2086,7 +2086,7 @@
           <a:p>
             <a:fld id="{0A1D67E2-B520-4BB6-8434-DE7E995735B8}" type="datetime1">
               <a:rPr kumimoji="1" lang="ja-JP" altLang="en-US" smtClean="0"/>
-              <a:t>2020/10/23</a:t>
+              <a:t>2020/11/2</a:t>
             </a:fld>
             <a:endParaRPr kumimoji="1" lang="ja-JP" altLang="en-US"/>
           </a:p>
@@ -2537,7 +2537,7 @@
           <a:p>
             <a:fld id="{500F9857-EF08-440C-94CB-83D9EE0D5A5A}" type="datetime1">
               <a:rPr kumimoji="1" lang="ja-JP" altLang="en-US" smtClean="0"/>
-              <a:t>2020/10/23</a:t>
+              <a:t>2020/11/2</a:t>
             </a:fld>
             <a:endParaRPr kumimoji="1" lang="ja-JP" altLang="en-US"/>
           </a:p>
@@ -2675,7 +2675,7 @@
           <a:p>
             <a:fld id="{B6BF44F8-E47A-4CCA-94C1-5A88DC7B414A}" type="datetime1">
               <a:rPr kumimoji="1" lang="ja-JP" altLang="en-US" smtClean="0"/>
-              <a:t>2020/10/23</a:t>
+              <a:t>2020/11/2</a:t>
             </a:fld>
             <a:endParaRPr kumimoji="1" lang="ja-JP" altLang="en-US"/>
           </a:p>
@@ -2790,7 +2790,7 @@
           <a:p>
             <a:fld id="{DE263015-59FD-444D-A49B-45D0DD94C4F1}" type="datetime1">
               <a:rPr kumimoji="1" lang="ja-JP" altLang="en-US" smtClean="0"/>
-              <a:t>2020/10/23</a:t>
+              <a:t>2020/11/2</a:t>
             </a:fld>
             <a:endParaRPr kumimoji="1" lang="ja-JP" altLang="en-US"/>
           </a:p>
@@ -3119,7 +3119,7 @@
           <a:p>
             <a:fld id="{7A6651C1-F643-424E-9D81-62CF9A82FABB}" type="datetime1">
               <a:rPr kumimoji="1" lang="ja-JP" altLang="en-US" smtClean="0"/>
-              <a:t>2020/10/23</a:t>
+              <a:t>2020/11/2</a:t>
             </a:fld>
             <a:endParaRPr kumimoji="1" lang="ja-JP" altLang="en-US"/>
           </a:p>
@@ -3380,7 +3380,7 @@
           <a:p>
             <a:fld id="{E79AACC8-2A3E-4AB1-936D-2A445495DFBA}" type="datetime1">
               <a:rPr kumimoji="1" lang="ja-JP" altLang="en-US" smtClean="0"/>
-              <a:t>2020/10/23</a:t>
+              <a:t>2020/11/2</a:t>
             </a:fld>
             <a:endParaRPr kumimoji="1" lang="ja-JP" altLang="en-US"/>
           </a:p>
@@ -3629,7 +3629,7 @@
           <a:p>
             <a:fld id="{79B7E619-0862-4EB5-B675-91B651E48568}" type="datetime1">
               <a:rPr kumimoji="1" lang="ja-JP" altLang="en-US" smtClean="0"/>
-              <a:t>2020/10/23</a:t>
+              <a:t>2020/11/2</a:t>
             </a:fld>
             <a:endParaRPr kumimoji="1" lang="ja-JP" altLang="en-US"/>
           </a:p>
@@ -4974,15 +4974,7 @@
             </a:r>
             <a:r>
               <a:rPr kumimoji="1" lang="ja-JP" altLang="en-US" sz="2000" dirty="0" smtClean="0"/>
-              <a:t>データ</a:t>
-            </a:r>
-            <a:r>
-              <a:rPr kumimoji="1" lang="ja-JP" altLang="en-US" sz="2000" smtClean="0"/>
-              <a:t>の左側に別</a:t>
-            </a:r>
-            <a:r>
-              <a:rPr kumimoji="1" lang="ja-JP" altLang="en-US" sz="2000" dirty="0" smtClean="0"/>
-              <a:t>のデータを結合</a:t>
+              <a:t>データの左側に別のデータを結合</a:t>
             </a:r>
             <a:r>
               <a:rPr kumimoji="1" lang="en-US" altLang="ja-JP" sz="2000" dirty="0" smtClean="0"/>
@@ -12426,7 +12418,7 @@
         </p:blipFill>
         <p:spPr>
           <a:xfrm>
-            <a:off x="8361156" y="3830408"/>
+            <a:off x="9352306" y="3835114"/>
             <a:ext cx="3547726" cy="2838181"/>
           </a:xfrm>
           <a:prstGeom prst="rect">
@@ -12456,7 +12448,7 @@
         </p:blipFill>
         <p:spPr>
           <a:xfrm>
-            <a:off x="7810113" y="3557115"/>
+            <a:off x="9478078" y="3577646"/>
             <a:ext cx="3751443" cy="3001154"/>
           </a:xfrm>
           <a:prstGeom prst="rect">
@@ -12486,7 +12478,7 @@
         </p:blipFill>
         <p:spPr>
           <a:xfrm>
-            <a:off x="7358124" y="3361727"/>
+            <a:off x="8757478" y="3428571"/>
             <a:ext cx="3995676" cy="3196542"/>
           </a:xfrm>
           <a:prstGeom prst="rect">
@@ -12516,7 +12508,7 @@
         </p:blipFill>
         <p:spPr>
           <a:xfrm>
-            <a:off x="7252054" y="3090954"/>
+            <a:off x="8704443" y="3168859"/>
             <a:ext cx="4101746" cy="3281397"/>
           </a:xfrm>
           <a:prstGeom prst="rect">
@@ -14318,7 +14310,7 @@
         </p:blipFill>
         <p:spPr>
           <a:xfrm>
-            <a:off x="6644083" y="2253119"/>
+            <a:off x="11673541" y="2502968"/>
             <a:ext cx="5357244" cy="4285795"/>
           </a:xfrm>
           <a:prstGeom prst="rect">
@@ -14348,7 +14340,7 @@
         </p:blipFill>
         <p:spPr>
           <a:xfrm>
-            <a:off x="6583784" y="2333652"/>
+            <a:off x="11811000" y="2570080"/>
             <a:ext cx="5155909" cy="4124727"/>
           </a:xfrm>
           <a:prstGeom prst="rect">
@@ -14378,7 +14370,7 @@
         </p:blipFill>
         <p:spPr>
           <a:xfrm>
-            <a:off x="6322150" y="2333652"/>
+            <a:off x="11747124" y="2713756"/>
             <a:ext cx="5162376" cy="4129900"/>
           </a:xfrm>
           <a:prstGeom prst="rect">
@@ -14408,7 +14400,7 @@
         </p:blipFill>
         <p:spPr>
           <a:xfrm>
-            <a:off x="6147557" y="2108148"/>
+            <a:off x="12042487" y="2409012"/>
             <a:ext cx="5592136" cy="4473709"/>
           </a:xfrm>
           <a:prstGeom prst="rect">
@@ -17623,7 +17615,7 @@
         </p:blipFill>
         <p:spPr>
           <a:xfrm>
-            <a:off x="6096000" y="1673838"/>
+            <a:off x="10682592" y="-715709"/>
             <a:ext cx="5818639" cy="4654911"/>
           </a:xfrm>
           <a:prstGeom prst="rect">
@@ -18934,7 +18926,7 @@
           <a:lstStyle/>
           <a:p>
             <a:r>
-              <a:rPr kumimoji="1" lang="en-US" altLang="ja-JP" dirty="0" err="1" smtClean="0">
+              <a:rPr lang="en-US" altLang="ja-JP" dirty="0" err="1">
                 <a:solidFill>
                   <a:srgbClr val="0070C0"/>
                 </a:solidFill>
@@ -18942,14 +18934,14 @@
               <a:t>flextable</a:t>
             </a:r>
             <a:r>
-              <a:rPr kumimoji="1" lang="en-US" altLang="ja-JP" dirty="0" smtClean="0"/>
+              <a:rPr lang="en-US" altLang="ja-JP" dirty="0"/>
               <a:t>: Table</a:t>
             </a:r>
             <a:r>
-              <a:rPr kumimoji="1" lang="ja-JP" altLang="en-US" dirty="0" smtClean="0"/>
+              <a:rPr lang="ja-JP" altLang="en-US" dirty="0"/>
               <a:t>の整形が出来るパッケージ</a:t>
             </a:r>
-            <a:endParaRPr kumimoji="1" lang="en-US" altLang="ja-JP" dirty="0" smtClean="0"/>
+            <a:endParaRPr lang="en-US" altLang="ja-JP" dirty="0"/>
           </a:p>
           <a:p>
             <a:pPr marL="457200" lvl="1" indent="0">
@@ -18957,7 +18949,11 @@
             </a:pPr>
             <a:r>
               <a:rPr lang="ja-JP" altLang="en-US" sz="2100" dirty="0" smtClean="0"/>
-              <a:t>関数例：</a:t>
+              <a:t>関数例</a:t>
+            </a:r>
+            <a:r>
+              <a:rPr lang="ja-JP" altLang="en-US" sz="2100" dirty="0" smtClean="0"/>
+              <a:t>：</a:t>
             </a:r>
             <a:r>
               <a:rPr lang="en-US" altLang="ja-JP" sz="2100" dirty="0" smtClean="0"/>
@@ -20728,7 +20724,7 @@
           <a:graphicData uri="http://schemas.openxmlformats.org/presentationml/2006/ole">
             <mc:AlternateContent xmlns:mc="http://schemas.openxmlformats.org/markup-compatibility/2006">
               <mc:Choice xmlns:v="urn:schemas-microsoft-com:vml" Requires="v">
-                <p:oleObj spid="_x0000_s1051" name="文書" showAsIcon="1" r:id="rId3" imgW="914400" imgH="771480" progId="Word.Document.12">
+                <p:oleObj spid="_x0000_s1057" name="文書" showAsIcon="1" r:id="rId3" imgW="914400" imgH="771480" progId="Word.Document.12">
                   <p:embed/>
                 </p:oleObj>
               </mc:Choice>
@@ -20785,7 +20781,7 @@
           <a:graphicData uri="http://schemas.openxmlformats.org/presentationml/2006/ole">
             <mc:AlternateContent xmlns:mc="http://schemas.openxmlformats.org/markup-compatibility/2006">
               <mc:Choice xmlns:v="urn:schemas-microsoft-com:vml" Requires="v">
-                <p:oleObj spid="_x0000_s1052" name="プレゼンテーション" showAsIcon="1" r:id="rId5" imgW="914400" imgH="771480" progId="PowerPoint.Show.12">
+                <p:oleObj spid="_x0000_s1058" name="プレゼンテーション" showAsIcon="1" r:id="rId5" imgW="914400" imgH="771480" progId="PowerPoint.Show.12">
                   <p:embed/>
                 </p:oleObj>
               </mc:Choice>
@@ -21162,7 +21158,7 @@
           <p:cNvPr id="7" name="図 6">
             <a:extLst>
               <a:ext uri="{FF2B5EF4-FFF2-40B4-BE49-F238E27FC236}">
-                <a16:creationId xmlns="" xmlns:a16="http://schemas.microsoft.com/office/drawing/2014/main" id="{2681F239-716B-4C8E-A65A-4189FEDE47F5}"/>
+                <a16:creationId xmlns:a16="http://schemas.microsoft.com/office/drawing/2014/main" xmlns="" id="{2681F239-716B-4C8E-A65A-4189FEDE47F5}"/>
               </a:ext>
             </a:extLst>
           </p:cNvPr>
@@ -30127,18 +30123,6 @@
               <a:t>, </a:t>
             </a:r>
             <a:r>
-              <a:rPr kumimoji="1" lang="en-US" altLang="ja-JP" sz="2000" dirty="0" smtClean="0">
-                <a:solidFill>
-                  <a:srgbClr val="0070C0"/>
-                </a:solidFill>
-              </a:rPr>
-              <a:t>n</a:t>
-            </a:r>
-            <a:r>
-              <a:rPr kumimoji="1" lang="en-US" altLang="ja-JP" sz="2000" dirty="0" smtClean="0"/>
-              <a:t>, </a:t>
-            </a:r>
-            <a:r>
               <a:rPr kumimoji="1" lang="en-US" altLang="ja-JP" sz="2000" dirty="0" err="1" smtClean="0">
                 <a:solidFill>
                   <a:srgbClr val="0070C0"/>
@@ -33283,22 +33267,60 @@
           <a:p>
             <a:pPr algn="ctr"/>
             <a:r>
-              <a:rPr kumimoji="1" lang="en-US" altLang="ja-JP" sz="1400" dirty="0" err="1" smtClean="0">
+              <a:rPr kumimoji="1" lang="en-US" altLang="ja-JP" sz="1200" dirty="0" smtClean="0">
                 <a:solidFill>
                   <a:schemeClr val="tx1"/>
                 </a:solidFill>
               </a:rPr>
-              <a:t>group_by</a:t>
-            </a:r>
-            <a:r>
-              <a:rPr kumimoji="1" lang="en-US" altLang="ja-JP" sz="1400" dirty="0" smtClean="0">
+              <a:t>distinct(ID, </a:t>
+            </a:r>
+            <a:br>
+              <a:rPr kumimoji="1" lang="en-US" altLang="ja-JP" sz="1200" dirty="0" smtClean="0">
                 <a:solidFill>
                   <a:schemeClr val="tx1"/>
                 </a:solidFill>
               </a:rPr>
-              <a:t>(ID) %&gt;% slice(1)</a:t>
-            </a:r>
-            <a:endParaRPr kumimoji="1" lang="ja-JP" altLang="en-US" sz="1400" dirty="0">
+            </a:br>
+            <a:r>
+              <a:rPr kumimoji="1" lang="en-US" altLang="ja-JP" sz="1200" dirty="0" smtClean="0">
+                <a:solidFill>
+                  <a:schemeClr val="tx1"/>
+                </a:solidFill>
+              </a:rPr>
+              <a:t>.</a:t>
+            </a:r>
+            <a:r>
+              <a:rPr kumimoji="1" lang="en-US" altLang="ja-JP" sz="1200" dirty="0" err="1" smtClean="0">
+                <a:solidFill>
+                  <a:schemeClr val="tx1"/>
+                </a:solidFill>
+              </a:rPr>
+              <a:t>keep_all</a:t>
+            </a:r>
+            <a:r>
+              <a:rPr kumimoji="1" lang="en-US" altLang="ja-JP" sz="1200" dirty="0" smtClean="0">
+                <a:solidFill>
+                  <a:schemeClr val="tx1"/>
+                </a:solidFill>
+              </a:rPr>
+              <a:t>=</a:t>
+            </a:r>
+            <a:br>
+              <a:rPr kumimoji="1" lang="en-US" altLang="ja-JP" sz="1200" dirty="0" smtClean="0">
+                <a:solidFill>
+                  <a:schemeClr val="tx1"/>
+                </a:solidFill>
+              </a:rPr>
+            </a:br>
+            <a:r>
+              <a:rPr kumimoji="1" lang="en-US" altLang="ja-JP" sz="1200" dirty="0" smtClean="0">
+                <a:solidFill>
+                  <a:schemeClr val="tx1"/>
+                </a:solidFill>
+              </a:rPr>
+              <a:t>TRUE)</a:t>
+            </a:r>
+            <a:endParaRPr kumimoji="1" lang="ja-JP" altLang="en-US" sz="1200" dirty="0">
               <a:solidFill>
                 <a:schemeClr val="tx1"/>
               </a:solidFill>
